--- a/Teste Automatizado.pptx
+++ b/Teste Automatizado.pptx
@@ -273,7 +273,7 @@
           <a:p>
             <a:fld id="{C43A76A3-ADC8-4477-8FC1-B9DD55D84908}" type="datetime1">
               <a:rPr lang="en-US" smtClean="0"/>
-              <a:t>10/26/2025</a:t>
+              <a:t>10/27/2025</a:t>
             </a:fld>
             <a:endParaRPr lang="en-US" dirty="0"/>
           </a:p>
@@ -471,7 +471,7 @@
           <a:p>
             <a:fld id="{D6762538-DC4D-4667-96E5-B3278DDF8B12}" type="datetime1">
               <a:rPr lang="en-US" smtClean="0"/>
-              <a:t>10/26/2025</a:t>
+              <a:t>10/27/2025</a:t>
             </a:fld>
             <a:endParaRPr lang="en-US"/>
           </a:p>
@@ -679,7 +679,7 @@
           <a:p>
             <a:fld id="{05880548-5C08-4BE3-B63E-F2BB63B0B00C}" type="datetime1">
               <a:rPr lang="en-US" smtClean="0"/>
-              <a:t>10/26/2025</a:t>
+              <a:t>10/27/2025</a:t>
             </a:fld>
             <a:endParaRPr lang="en-US"/>
           </a:p>
@@ -877,7 +877,7 @@
           <a:p>
             <a:fld id="{DE7F49BE-398D-479A-8A7E-5DDBCA61EDCB}" type="datetime1">
               <a:rPr lang="en-US" smtClean="0"/>
-              <a:t>10/26/2025</a:t>
+              <a:t>10/27/2025</a:t>
             </a:fld>
             <a:endParaRPr lang="en-US"/>
           </a:p>
@@ -1153,7 +1153,7 @@
           <a:p>
             <a:fld id="{CCD0C193-4974-4A1F-9C63-07D595E30D66}" type="datetime1">
               <a:rPr lang="en-US" smtClean="0"/>
-              <a:t>10/26/2025</a:t>
+              <a:t>10/27/2025</a:t>
             </a:fld>
             <a:endParaRPr lang="en-US"/>
           </a:p>
@@ -1420,7 +1420,7 @@
           <a:p>
             <a:fld id="{701AA87F-28D4-4BF0-B81F-877A89DFD5AC}" type="datetime1">
               <a:rPr lang="en-US" smtClean="0"/>
-              <a:t>10/26/2025</a:t>
+              <a:t>10/27/2025</a:t>
             </a:fld>
             <a:endParaRPr lang="en-US"/>
           </a:p>
@@ -1834,7 +1834,7 @@
           <a:p>
             <a:fld id="{A8A9F1F3-208B-49A3-B337-9C8ACEB3E0E1}" type="datetime1">
               <a:rPr lang="en-US" smtClean="0"/>
-              <a:t>10/26/2025</a:t>
+              <a:t>10/27/2025</a:t>
             </a:fld>
             <a:endParaRPr lang="en-US"/>
           </a:p>
@@ -1981,7 +1981,7 @@
           <a:p>
             <a:fld id="{27AF6CA6-7293-4AA2-A0E0-A3BF4416E786}" type="datetime1">
               <a:rPr lang="en-US" smtClean="0"/>
-              <a:t>10/26/2025</a:t>
+              <a:t>10/27/2025</a:t>
             </a:fld>
             <a:endParaRPr lang="en-US"/>
           </a:p>
@@ -2094,7 +2094,7 @@
           <a:p>
             <a:fld id="{98D87016-7BCD-46FB-8EE3-AB6C369108B4}" type="datetime1">
               <a:rPr lang="en-US" smtClean="0"/>
-              <a:t>10/26/2025</a:t>
+              <a:t>10/27/2025</a:t>
             </a:fld>
             <a:endParaRPr lang="en-US"/>
           </a:p>
@@ -2413,7 +2413,7 @@
           <a:p>
             <a:fld id="{A1547011-1FFC-4EF8-9A2E-53B4AD2ADBD4}" type="datetime1">
               <a:rPr lang="en-US" smtClean="0"/>
-              <a:t>10/26/2025</a:t>
+              <a:t>10/27/2025</a:t>
             </a:fld>
             <a:endParaRPr lang="en-US"/>
           </a:p>
@@ -2708,7 +2708,7 @@
           <a:p>
             <a:fld id="{9562EB47-45B4-4EF5-A743-B4885DD2F060}" type="datetime1">
               <a:rPr lang="en-US" smtClean="0"/>
-              <a:t>10/26/2025</a:t>
+              <a:t>10/27/2025</a:t>
             </a:fld>
             <a:endParaRPr lang="en-US"/>
           </a:p>
@@ -4093,7 +4093,7 @@
           <a:p>
             <a:fld id="{4A8D24A4-5FEC-4062-8995-EB21925B3B40}" type="datetime1">
               <a:rPr lang="en-US" smtClean="0"/>
-              <a:t>10/26/2025</a:t>
+              <a:t>10/27/2025</a:t>
             </a:fld>
             <a:endParaRPr lang="en-US" sz="1000" dirty="0"/>
           </a:p>
@@ -6288,730 +6288,74 @@
           <a:lstStyle/>
           <a:p>
             <a:r>
-              <a:rPr lang="de-DE" dirty="0" err="1">
+              <a:rPr lang="pt-BR" dirty="0">
                 <a:solidFill>
                   <a:schemeClr val="bg1"/>
                 </a:solidFill>
-                <a:ea typeface="+mn-lt"/>
-                <a:cs typeface="+mn-lt"/>
               </a:rPr>
-              <a:t>Conforme</a:t>
-            </a:r>
-            <a:r>
-              <a:rPr lang="de-DE" dirty="0">
+              <a:t>Com o aumento da complexidade dos programas, ficou mais difícil avaliar a funcionalidade dos recursos.</a:t>
+            </a:r>
+            <a:br>
+              <a:rPr lang="pt-BR" dirty="0">
                 <a:solidFill>
                   <a:schemeClr val="bg1"/>
                 </a:solidFill>
-                <a:ea typeface="+mn-lt"/>
-                <a:cs typeface="+mn-lt"/>
               </a:rPr>
-              <a:t> </a:t>
-            </a:r>
-            <a:r>
-              <a:rPr lang="de-DE" dirty="0" err="1">
+            </a:br>
+            <a:r>
+              <a:rPr lang="pt-BR" dirty="0">
                 <a:solidFill>
                   <a:schemeClr val="bg1"/>
                 </a:solidFill>
-                <a:ea typeface="+mn-lt"/>
-                <a:cs typeface="+mn-lt"/>
               </a:rPr>
-              <a:t>programas</a:t>
-            </a:r>
-            <a:r>
-              <a:rPr lang="de-DE" dirty="0">
+              <a:t>O número de funções e pontos a serem testados cresceu com a evolução tecnológica.</a:t>
+            </a:r>
+            <a:br>
+              <a:rPr lang="pt-BR" dirty="0">
                 <a:solidFill>
                   <a:schemeClr val="bg1"/>
                 </a:solidFill>
-                <a:ea typeface="+mn-lt"/>
-                <a:cs typeface="+mn-lt"/>
               </a:rPr>
-              <a:t> </a:t>
-            </a:r>
-            <a:r>
-              <a:rPr lang="de-DE" dirty="0" err="1">
+            </a:br>
+            <a:r>
+              <a:rPr lang="pt-BR" dirty="0">
                 <a:solidFill>
                   <a:schemeClr val="bg1"/>
                 </a:solidFill>
-                <a:ea typeface="+mn-lt"/>
-                <a:cs typeface="+mn-lt"/>
               </a:rPr>
-              <a:t>ficaram</a:t>
-            </a:r>
-            <a:r>
-              <a:rPr lang="de-DE" dirty="0">
+              <a:t>Isso tornou os testes mais detalhados e exigentes.</a:t>
+            </a:r>
+            <a:br>
+              <a:rPr lang="pt-BR" dirty="0">
                 <a:solidFill>
                   <a:schemeClr val="bg1"/>
                 </a:solidFill>
-                <a:ea typeface="+mn-lt"/>
-                <a:cs typeface="+mn-lt"/>
               </a:rPr>
-              <a:t> </a:t>
-            </a:r>
-            <a:r>
-              <a:rPr lang="de-DE" dirty="0" err="1">
+            </a:br>
+            <a:r>
+              <a:rPr lang="pt-BR" dirty="0">
                 <a:solidFill>
                   <a:schemeClr val="bg1"/>
                 </a:solidFill>
-                <a:ea typeface="+mn-lt"/>
-                <a:cs typeface="+mn-lt"/>
               </a:rPr>
-              <a:t>mais</a:t>
-            </a:r>
-            <a:r>
-              <a:rPr lang="de-DE" dirty="0">
+              <a:t>Exige métodos </a:t>
+            </a:r>
+            <a:r>
+              <a:rPr lang="pt-BR" u="sng" dirty="0">
                 <a:solidFill>
                   <a:schemeClr val="bg1"/>
                 </a:solidFill>
-                <a:ea typeface="+mn-lt"/>
-                <a:cs typeface="+mn-lt"/>
               </a:rPr>
-              <a:t> </a:t>
-            </a:r>
-            <a:r>
-              <a:rPr lang="de-DE" dirty="0" err="1">
+              <a:t>estruturados</a:t>
+            </a:r>
+            <a:r>
+              <a:rPr lang="pt-BR" dirty="0">
                 <a:solidFill>
                   <a:schemeClr val="bg1"/>
                 </a:solidFill>
-                <a:ea typeface="+mn-lt"/>
-                <a:cs typeface="+mn-lt"/>
               </a:rPr>
-              <a:t>complexos</a:t>
-            </a:r>
-            <a:r>
-              <a:rPr lang="de-DE" dirty="0">
-                <a:solidFill>
-                  <a:schemeClr val="bg1"/>
-                </a:solidFill>
-                <a:ea typeface="+mn-lt"/>
-                <a:cs typeface="+mn-lt"/>
-              </a:rPr>
-              <a:t>, </a:t>
-            </a:r>
-            <a:r>
-              <a:rPr lang="de-DE" dirty="0" err="1">
-                <a:solidFill>
-                  <a:schemeClr val="bg1"/>
-                </a:solidFill>
-                <a:ea typeface="+mn-lt"/>
-                <a:cs typeface="+mn-lt"/>
-              </a:rPr>
-              <a:t>pessoas</a:t>
-            </a:r>
-            <a:r>
-              <a:rPr lang="de-DE" dirty="0">
-                <a:solidFill>
-                  <a:schemeClr val="bg1"/>
-                </a:solidFill>
-                <a:ea typeface="+mn-lt"/>
-                <a:cs typeface="+mn-lt"/>
-              </a:rPr>
-              <a:t> </a:t>
-            </a:r>
-            <a:r>
-              <a:rPr lang="de-DE" dirty="0" err="1">
-                <a:solidFill>
-                  <a:schemeClr val="bg1"/>
-                </a:solidFill>
-                <a:ea typeface="+mn-lt"/>
-                <a:cs typeface="+mn-lt"/>
-              </a:rPr>
-              <a:t>que</a:t>
-            </a:r>
-            <a:r>
-              <a:rPr lang="de-DE" dirty="0">
-                <a:solidFill>
-                  <a:schemeClr val="bg1"/>
-                </a:solidFill>
-                <a:ea typeface="+mn-lt"/>
-                <a:cs typeface="+mn-lt"/>
-              </a:rPr>
-              <a:t> </a:t>
-            </a:r>
-            <a:r>
-              <a:rPr lang="de-DE" dirty="0" err="1">
-                <a:solidFill>
-                  <a:schemeClr val="bg1"/>
-                </a:solidFill>
-                <a:ea typeface="+mn-lt"/>
-                <a:cs typeface="+mn-lt"/>
-              </a:rPr>
-              <a:t>trabalham</a:t>
-            </a:r>
-            <a:r>
-              <a:rPr lang="de-DE" dirty="0">
-                <a:solidFill>
-                  <a:schemeClr val="bg1"/>
-                </a:solidFill>
-                <a:ea typeface="+mn-lt"/>
-                <a:cs typeface="+mn-lt"/>
-              </a:rPr>
-              <a:t> </a:t>
-            </a:r>
-            <a:r>
-              <a:rPr lang="de-DE" dirty="0" err="1">
-                <a:solidFill>
-                  <a:schemeClr val="bg1"/>
-                </a:solidFill>
-                <a:ea typeface="+mn-lt"/>
-                <a:cs typeface="+mn-lt"/>
-              </a:rPr>
-              <a:t>com</a:t>
-            </a:r>
-            <a:r>
-              <a:rPr lang="de-DE" dirty="0">
-                <a:solidFill>
-                  <a:schemeClr val="bg1"/>
-                </a:solidFill>
-                <a:ea typeface="+mn-lt"/>
-                <a:cs typeface="+mn-lt"/>
-              </a:rPr>
-              <a:t> </a:t>
-            </a:r>
-            <a:r>
-              <a:rPr lang="de-DE" dirty="0" err="1">
-                <a:solidFill>
-                  <a:schemeClr val="bg1"/>
-                </a:solidFill>
-                <a:ea typeface="+mn-lt"/>
-                <a:cs typeface="+mn-lt"/>
-              </a:rPr>
-              <a:t>desenvolvimento</a:t>
-            </a:r>
-            <a:r>
-              <a:rPr lang="de-DE" dirty="0">
-                <a:solidFill>
-                  <a:schemeClr val="bg1"/>
-                </a:solidFill>
-                <a:ea typeface="+mn-lt"/>
-                <a:cs typeface="+mn-lt"/>
-              </a:rPr>
-              <a:t> </a:t>
-            </a:r>
-            <a:r>
-              <a:rPr lang="de-DE" dirty="0" err="1">
-                <a:solidFill>
-                  <a:schemeClr val="bg1"/>
-                </a:solidFill>
-                <a:ea typeface="+mn-lt"/>
-                <a:cs typeface="+mn-lt"/>
-              </a:rPr>
-              <a:t>começaram</a:t>
-            </a:r>
-            <a:r>
-              <a:rPr lang="de-DE" dirty="0">
-                <a:solidFill>
-                  <a:schemeClr val="bg1"/>
-                </a:solidFill>
-                <a:ea typeface="+mn-lt"/>
-                <a:cs typeface="+mn-lt"/>
-              </a:rPr>
-              <a:t> a </a:t>
-            </a:r>
-            <a:r>
-              <a:rPr lang="de-DE" dirty="0" err="1">
-                <a:solidFill>
-                  <a:schemeClr val="bg1"/>
-                </a:solidFill>
-                <a:ea typeface="+mn-lt"/>
-                <a:cs typeface="+mn-lt"/>
-              </a:rPr>
-              <a:t>ter</a:t>
-            </a:r>
-            <a:r>
-              <a:rPr lang="de-DE" dirty="0">
-                <a:solidFill>
-                  <a:schemeClr val="bg1"/>
-                </a:solidFill>
-                <a:ea typeface="+mn-lt"/>
-                <a:cs typeface="+mn-lt"/>
-              </a:rPr>
-              <a:t> </a:t>
-            </a:r>
-            <a:r>
-              <a:rPr lang="de-DE" dirty="0" err="1">
-                <a:solidFill>
-                  <a:schemeClr val="bg1"/>
-                </a:solidFill>
-                <a:ea typeface="+mn-lt"/>
-                <a:cs typeface="+mn-lt"/>
-              </a:rPr>
-              <a:t>mais</a:t>
-            </a:r>
-            <a:r>
-              <a:rPr lang="de-DE" dirty="0">
-                <a:solidFill>
-                  <a:schemeClr val="bg1"/>
-                </a:solidFill>
-                <a:ea typeface="+mn-lt"/>
-                <a:cs typeface="+mn-lt"/>
-              </a:rPr>
-              <a:t> </a:t>
-            </a:r>
-            <a:r>
-              <a:rPr lang="de-DE" dirty="0" err="1">
-                <a:solidFill>
-                  <a:schemeClr val="bg1"/>
-                </a:solidFill>
-                <a:ea typeface="+mn-lt"/>
-                <a:cs typeface="+mn-lt"/>
-              </a:rPr>
-              <a:t>dificuldades</a:t>
-            </a:r>
-            <a:r>
-              <a:rPr lang="de-DE" dirty="0">
-                <a:solidFill>
-                  <a:schemeClr val="bg1"/>
-                </a:solidFill>
-                <a:ea typeface="+mn-lt"/>
-                <a:cs typeface="+mn-lt"/>
-              </a:rPr>
-              <a:t> </a:t>
-            </a:r>
-            <a:r>
-              <a:rPr lang="de-DE" dirty="0" err="1">
-                <a:solidFill>
-                  <a:schemeClr val="bg1"/>
-                </a:solidFill>
-                <a:ea typeface="+mn-lt"/>
-                <a:cs typeface="+mn-lt"/>
-              </a:rPr>
-              <a:t>para</a:t>
-            </a:r>
-            <a:r>
-              <a:rPr lang="de-DE" dirty="0">
-                <a:solidFill>
-                  <a:schemeClr val="bg1"/>
-                </a:solidFill>
-                <a:ea typeface="+mn-lt"/>
-                <a:cs typeface="+mn-lt"/>
-              </a:rPr>
-              <a:t> </a:t>
-            </a:r>
-            <a:r>
-              <a:rPr lang="de-DE" dirty="0" err="1">
-                <a:solidFill>
-                  <a:schemeClr val="bg1"/>
-                </a:solidFill>
-                <a:ea typeface="+mn-lt"/>
-                <a:cs typeface="+mn-lt"/>
-              </a:rPr>
-              <a:t>avaliar</a:t>
-            </a:r>
-            <a:r>
-              <a:rPr lang="de-DE" dirty="0">
-                <a:solidFill>
-                  <a:schemeClr val="bg1"/>
-                </a:solidFill>
-                <a:ea typeface="+mn-lt"/>
-                <a:cs typeface="+mn-lt"/>
-              </a:rPr>
-              <a:t> se </a:t>
-            </a:r>
-            <a:r>
-              <a:rPr lang="de-DE" dirty="0" err="1">
-                <a:solidFill>
-                  <a:schemeClr val="bg1"/>
-                </a:solidFill>
-                <a:ea typeface="+mn-lt"/>
-                <a:cs typeface="+mn-lt"/>
-              </a:rPr>
-              <a:t>os</a:t>
-            </a:r>
-            <a:r>
-              <a:rPr lang="de-DE" dirty="0">
-                <a:solidFill>
-                  <a:schemeClr val="bg1"/>
-                </a:solidFill>
-                <a:ea typeface="+mn-lt"/>
-                <a:cs typeface="+mn-lt"/>
-              </a:rPr>
-              <a:t> </a:t>
-            </a:r>
-            <a:r>
-              <a:rPr lang="de-DE" dirty="0" err="1">
-                <a:solidFill>
-                  <a:schemeClr val="bg1"/>
-                </a:solidFill>
-                <a:ea typeface="+mn-lt"/>
-                <a:cs typeface="+mn-lt"/>
-              </a:rPr>
-              <a:t>recursos</a:t>
-            </a:r>
-            <a:r>
-              <a:rPr lang="de-DE" dirty="0">
-                <a:solidFill>
-                  <a:schemeClr val="bg1"/>
-                </a:solidFill>
-                <a:ea typeface="+mn-lt"/>
-                <a:cs typeface="+mn-lt"/>
-              </a:rPr>
-              <a:t> </a:t>
-            </a:r>
-            <a:r>
-              <a:rPr lang="de-DE" dirty="0" err="1">
-                <a:solidFill>
-                  <a:schemeClr val="bg1"/>
-                </a:solidFill>
-                <a:ea typeface="+mn-lt"/>
-                <a:cs typeface="+mn-lt"/>
-              </a:rPr>
-              <a:t>são</a:t>
-            </a:r>
-            <a:r>
-              <a:rPr lang="de-DE" dirty="0">
-                <a:solidFill>
-                  <a:schemeClr val="bg1"/>
-                </a:solidFill>
-                <a:ea typeface="+mn-lt"/>
-                <a:cs typeface="+mn-lt"/>
-              </a:rPr>
-              <a:t> </a:t>
-            </a:r>
-            <a:r>
-              <a:rPr lang="de-DE" dirty="0" err="1">
-                <a:solidFill>
-                  <a:schemeClr val="bg1"/>
-                </a:solidFill>
-                <a:ea typeface="+mn-lt"/>
-                <a:cs typeface="+mn-lt"/>
-              </a:rPr>
-              <a:t>funcionais</a:t>
-            </a:r>
-            <a:r>
-              <a:rPr lang="de-DE" dirty="0">
-                <a:solidFill>
-                  <a:schemeClr val="bg1"/>
-                </a:solidFill>
-                <a:ea typeface="+mn-lt"/>
-                <a:cs typeface="+mn-lt"/>
-              </a:rPr>
-              <a:t>. A </a:t>
-            </a:r>
-            <a:r>
-              <a:rPr lang="de-DE" dirty="0" err="1">
-                <a:solidFill>
-                  <a:schemeClr val="bg1"/>
-                </a:solidFill>
-                <a:ea typeface="+mn-lt"/>
-                <a:cs typeface="+mn-lt"/>
-              </a:rPr>
-              <a:t>quantidade</a:t>
-            </a:r>
-            <a:r>
-              <a:rPr lang="de-DE" dirty="0">
-                <a:solidFill>
-                  <a:schemeClr val="bg1"/>
-                </a:solidFill>
-                <a:ea typeface="+mn-lt"/>
-                <a:cs typeface="+mn-lt"/>
-              </a:rPr>
-              <a:t> de </a:t>
-            </a:r>
-            <a:r>
-              <a:rPr lang="de-DE" dirty="0" err="1">
-                <a:solidFill>
-                  <a:schemeClr val="bg1"/>
-                </a:solidFill>
-                <a:ea typeface="+mn-lt"/>
-                <a:cs typeface="+mn-lt"/>
-              </a:rPr>
-              <a:t>funções</a:t>
-            </a:r>
-            <a:r>
-              <a:rPr lang="de-DE" dirty="0">
-                <a:solidFill>
-                  <a:schemeClr val="bg1"/>
-                </a:solidFill>
-                <a:ea typeface="+mn-lt"/>
-                <a:cs typeface="+mn-lt"/>
-              </a:rPr>
-              <a:t> e </a:t>
-            </a:r>
-            <a:r>
-              <a:rPr lang="de-DE" dirty="0" err="1">
-                <a:solidFill>
-                  <a:schemeClr val="bg1"/>
-                </a:solidFill>
-                <a:ea typeface="+mn-lt"/>
-                <a:cs typeface="+mn-lt"/>
-              </a:rPr>
-              <a:t>pontos</a:t>
-            </a:r>
-            <a:r>
-              <a:rPr lang="de-DE" dirty="0">
-                <a:solidFill>
-                  <a:schemeClr val="bg1"/>
-                </a:solidFill>
-                <a:ea typeface="+mn-lt"/>
-                <a:cs typeface="+mn-lt"/>
-              </a:rPr>
-              <a:t> </a:t>
-            </a:r>
-            <a:r>
-              <a:rPr lang="de-DE" dirty="0" err="1">
-                <a:solidFill>
-                  <a:schemeClr val="bg1"/>
-                </a:solidFill>
-                <a:ea typeface="+mn-lt"/>
-                <a:cs typeface="+mn-lt"/>
-              </a:rPr>
-              <a:t>que</a:t>
-            </a:r>
-            <a:r>
-              <a:rPr lang="de-DE" dirty="0">
-                <a:solidFill>
-                  <a:schemeClr val="bg1"/>
-                </a:solidFill>
-                <a:ea typeface="+mn-lt"/>
-                <a:cs typeface="+mn-lt"/>
-              </a:rPr>
-              <a:t> </a:t>
-            </a:r>
-            <a:r>
-              <a:rPr lang="de-DE" dirty="0" err="1">
-                <a:solidFill>
-                  <a:schemeClr val="bg1"/>
-                </a:solidFill>
-                <a:ea typeface="+mn-lt"/>
-                <a:cs typeface="+mn-lt"/>
-              </a:rPr>
-              <a:t>deveriam</a:t>
-            </a:r>
-            <a:r>
-              <a:rPr lang="de-DE" dirty="0">
-                <a:solidFill>
-                  <a:schemeClr val="bg1"/>
-                </a:solidFill>
-                <a:ea typeface="+mn-lt"/>
-                <a:cs typeface="+mn-lt"/>
-              </a:rPr>
-              <a:t> </a:t>
-            </a:r>
-            <a:r>
-              <a:rPr lang="de-DE" dirty="0" err="1">
-                <a:solidFill>
-                  <a:schemeClr val="bg1"/>
-                </a:solidFill>
-                <a:ea typeface="+mn-lt"/>
-                <a:cs typeface="+mn-lt"/>
-              </a:rPr>
-              <a:t>ser</a:t>
-            </a:r>
-            <a:r>
-              <a:rPr lang="de-DE" dirty="0">
-                <a:solidFill>
-                  <a:schemeClr val="bg1"/>
-                </a:solidFill>
-                <a:ea typeface="+mn-lt"/>
-                <a:cs typeface="+mn-lt"/>
-              </a:rPr>
-              <a:t> </a:t>
-            </a:r>
-            <a:r>
-              <a:rPr lang="de-DE" dirty="0" err="1">
-                <a:solidFill>
-                  <a:schemeClr val="bg1"/>
-                </a:solidFill>
-                <a:ea typeface="+mn-lt"/>
-                <a:cs typeface="+mn-lt"/>
-              </a:rPr>
-              <a:t>avaliados</a:t>
-            </a:r>
-            <a:r>
-              <a:rPr lang="de-DE" dirty="0">
-                <a:solidFill>
-                  <a:schemeClr val="bg1"/>
-                </a:solidFill>
-                <a:ea typeface="+mn-lt"/>
-                <a:cs typeface="+mn-lt"/>
-              </a:rPr>
-              <a:t> a </a:t>
-            </a:r>
-            <a:r>
-              <a:rPr lang="de-DE" dirty="0" err="1">
-                <a:solidFill>
-                  <a:schemeClr val="bg1"/>
-                </a:solidFill>
-                <a:ea typeface="+mn-lt"/>
-                <a:cs typeface="+mn-lt"/>
-              </a:rPr>
-              <a:t>cada</a:t>
-            </a:r>
-            <a:r>
-              <a:rPr lang="de-DE" dirty="0">
-                <a:solidFill>
-                  <a:schemeClr val="bg1"/>
-                </a:solidFill>
-                <a:ea typeface="+mn-lt"/>
-                <a:cs typeface="+mn-lt"/>
-              </a:rPr>
-              <a:t> </a:t>
-            </a:r>
-            <a:r>
-              <a:rPr lang="de-DE" dirty="0" err="1">
-                <a:solidFill>
-                  <a:schemeClr val="bg1"/>
-                </a:solidFill>
-                <a:ea typeface="+mn-lt"/>
-                <a:cs typeface="+mn-lt"/>
-              </a:rPr>
-              <a:t>projeto</a:t>
-            </a:r>
-            <a:r>
-              <a:rPr lang="de-DE" dirty="0">
-                <a:solidFill>
-                  <a:schemeClr val="bg1"/>
-                </a:solidFill>
-                <a:ea typeface="+mn-lt"/>
-                <a:cs typeface="+mn-lt"/>
-              </a:rPr>
-              <a:t> </a:t>
-            </a:r>
-            <a:r>
-              <a:rPr lang="de-DE" dirty="0" err="1">
-                <a:solidFill>
-                  <a:schemeClr val="bg1"/>
-                </a:solidFill>
-                <a:ea typeface="+mn-lt"/>
-                <a:cs typeface="+mn-lt"/>
-              </a:rPr>
-              <a:t>aumentou</a:t>
-            </a:r>
-            <a:r>
-              <a:rPr lang="de-DE" dirty="0">
-                <a:solidFill>
-                  <a:schemeClr val="bg1"/>
-                </a:solidFill>
-                <a:ea typeface="+mn-lt"/>
-                <a:cs typeface="+mn-lt"/>
-              </a:rPr>
-              <a:t> </a:t>
-            </a:r>
-            <a:r>
-              <a:rPr lang="de-DE" dirty="0" err="1">
-                <a:solidFill>
-                  <a:schemeClr val="bg1"/>
-                </a:solidFill>
-                <a:ea typeface="+mn-lt"/>
-                <a:cs typeface="+mn-lt"/>
-              </a:rPr>
-              <a:t>junto</a:t>
-            </a:r>
-            <a:r>
-              <a:rPr lang="de-DE" dirty="0">
-                <a:solidFill>
-                  <a:schemeClr val="bg1"/>
-                </a:solidFill>
-                <a:ea typeface="+mn-lt"/>
-                <a:cs typeface="+mn-lt"/>
-              </a:rPr>
-              <a:t> </a:t>
-            </a:r>
-            <a:r>
-              <a:rPr lang="de-DE" dirty="0" err="1">
-                <a:solidFill>
-                  <a:schemeClr val="bg1"/>
-                </a:solidFill>
-                <a:ea typeface="+mn-lt"/>
-                <a:cs typeface="+mn-lt"/>
-              </a:rPr>
-              <a:t>com</a:t>
-            </a:r>
-            <a:r>
-              <a:rPr lang="de-DE" dirty="0">
-                <a:solidFill>
-                  <a:schemeClr val="bg1"/>
-                </a:solidFill>
-                <a:ea typeface="+mn-lt"/>
-                <a:cs typeface="+mn-lt"/>
-              </a:rPr>
-              <a:t> a </a:t>
-            </a:r>
-            <a:r>
-              <a:rPr lang="de-DE" dirty="0" err="1">
-                <a:solidFill>
-                  <a:schemeClr val="bg1"/>
-                </a:solidFill>
-                <a:ea typeface="+mn-lt"/>
-                <a:cs typeface="+mn-lt"/>
-              </a:rPr>
-              <a:t>evolução</a:t>
-            </a:r>
-            <a:r>
-              <a:rPr lang="de-DE" dirty="0">
-                <a:solidFill>
-                  <a:schemeClr val="bg1"/>
-                </a:solidFill>
-                <a:ea typeface="+mn-lt"/>
-                <a:cs typeface="+mn-lt"/>
-              </a:rPr>
-              <a:t> das </a:t>
-            </a:r>
-            <a:r>
-              <a:rPr lang="de-DE" dirty="0" err="1">
-                <a:solidFill>
-                  <a:schemeClr val="bg1"/>
-                </a:solidFill>
-                <a:ea typeface="+mn-lt"/>
-                <a:cs typeface="+mn-lt"/>
-              </a:rPr>
-              <a:t>tecnologias</a:t>
-            </a:r>
-            <a:r>
-              <a:rPr lang="de-DE" dirty="0">
-                <a:solidFill>
-                  <a:schemeClr val="bg1"/>
-                </a:solidFill>
-                <a:ea typeface="+mn-lt"/>
-                <a:cs typeface="+mn-lt"/>
-              </a:rPr>
-              <a:t> de </a:t>
-            </a:r>
-            <a:r>
-              <a:rPr lang="de-DE" dirty="0" err="1">
-                <a:solidFill>
-                  <a:schemeClr val="bg1"/>
-                </a:solidFill>
-                <a:ea typeface="+mn-lt"/>
-                <a:cs typeface="+mn-lt"/>
-              </a:rPr>
-              <a:t>criação</a:t>
-            </a:r>
-            <a:r>
-              <a:rPr lang="de-DE" dirty="0">
-                <a:solidFill>
-                  <a:schemeClr val="bg1"/>
-                </a:solidFill>
-                <a:ea typeface="+mn-lt"/>
-                <a:cs typeface="+mn-lt"/>
-              </a:rPr>
-              <a:t> de </a:t>
-            </a:r>
-            <a:r>
-              <a:rPr lang="de-DE" dirty="0" err="1">
-                <a:solidFill>
-                  <a:schemeClr val="bg1"/>
-                </a:solidFill>
-                <a:ea typeface="+mn-lt"/>
-                <a:cs typeface="+mn-lt"/>
-              </a:rPr>
-              <a:t>sistemas</a:t>
-            </a:r>
-            <a:r>
-              <a:rPr lang="de-DE" dirty="0">
-                <a:solidFill>
-                  <a:schemeClr val="bg1"/>
-                </a:solidFill>
-                <a:ea typeface="+mn-lt"/>
-                <a:cs typeface="+mn-lt"/>
-              </a:rPr>
-              <a:t>.</a:t>
-            </a:r>
-            <a:endParaRPr lang="pt-BR" dirty="0">
-              <a:solidFill>
-                <a:schemeClr val="bg1"/>
-              </a:solidFill>
-            </a:endParaRPr>
+              <a:t> para garantir que todos os requisitos sejam verificados.</a:t>
+            </a:r>
           </a:p>
         </p:txBody>
       </p:sp>
@@ -7837,13 +7181,70 @@
                 <a:solidFill>
                   <a:schemeClr val="bg1"/>
                 </a:solidFill>
-                <a:ea typeface="+mn-lt"/>
-                <a:cs typeface="+mn-lt"/>
               </a:rPr>
-              <a:t>Para utilizar os testes automatizados, quem trabalha no projeto de desenvolvimento deve avaliar qual a melhor ferramenta para o seu perfil. No mercado, existe um grande número de soluções voltadas para esse fim. Elas ajudam públicos como as pessoas que trabalham com jogos digitais, com aplicativos mobile e, até mesmo, com a criação de sistemas operacionais.</a:t>
-            </a:r>
-          </a:p>
-          <a:p>
+              <a:t>No desenvolvimento, é preciso escolher a ferramenta de teste automatizado mais adequada ao projeto.</a:t>
+            </a:r>
+            <a:br>
+              <a:rPr lang="pt-BR" dirty="0">
+                <a:solidFill>
+                  <a:schemeClr val="bg1"/>
+                </a:solidFill>
+              </a:rPr>
+            </a:br>
+            <a:r>
+              <a:rPr lang="pt-BR" dirty="0">
+                <a:solidFill>
+                  <a:schemeClr val="bg1"/>
+                </a:solidFill>
+              </a:rPr>
+              <a:t>Existem muitas soluções disponíveis no mercado.</a:t>
+            </a:r>
+            <a:br>
+              <a:rPr lang="pt-BR" dirty="0">
+                <a:solidFill>
+                  <a:schemeClr val="bg1"/>
+                </a:solidFill>
+              </a:rPr>
+            </a:br>
+            <a:r>
+              <a:rPr lang="pt-BR" dirty="0">
+                <a:solidFill>
+                  <a:schemeClr val="bg1"/>
+                </a:solidFill>
+              </a:rPr>
+              <a:t>Essas ferramentas auxiliam profissionais de jogos, aplicativos móveis e sistemas operacionais.</a:t>
+            </a:r>
+            <a:br>
+              <a:rPr lang="pt-BR" dirty="0">
+                <a:solidFill>
+                  <a:schemeClr val="bg1"/>
+                </a:solidFill>
+              </a:rPr>
+            </a:br>
+            <a:r>
+              <a:rPr lang="pt-BR" dirty="0">
+                <a:solidFill>
+                  <a:schemeClr val="bg1"/>
+                </a:solidFill>
+              </a:rPr>
+              <a:t>Facilitam a </a:t>
+            </a:r>
+            <a:r>
+              <a:rPr lang="pt-BR" u="sng" dirty="0">
+                <a:solidFill>
+                  <a:schemeClr val="bg1"/>
+                </a:solidFill>
+              </a:rPr>
+              <a:t>verificação</a:t>
+            </a:r>
+            <a:r>
+              <a:rPr lang="pt-BR" dirty="0">
+                <a:solidFill>
+                  <a:schemeClr val="bg1"/>
+                </a:solidFill>
+              </a:rPr>
+              <a:t> de funcionalidades de forma mais rápida e eficiente.</a:t>
+            </a:r>
             <a:endParaRPr lang="de-DE" dirty="0">
               <a:solidFill>
                 <a:schemeClr val="bg1"/>
@@ -8734,98 +8135,59 @@
           <a:lstStyle/>
           <a:p>
             <a:r>
-              <a:rPr lang="pt-BR" sz="1800" dirty="0">
+              <a:rPr lang="pt-BR" dirty="0">
                 <a:solidFill>
                   <a:schemeClr val="bg1"/>
                 </a:solidFill>
-                <a:ea typeface="+mn-lt"/>
-                <a:cs typeface="+mn-lt"/>
               </a:rPr>
-              <a:t>Para quem trabalha com programação, é relevante adquirir vários conhecimentos. Criar um sistema exige a habilidade de entender requisitos, atender a métricas e alinhar suas práticas com diferentes metodologias. Além disso, é importante identificar o que fazer para entregar as demandas dentro do prazo e livre de erros.</a:t>
-            </a:r>
-          </a:p>
-          <a:p>
-            <a:r>
-              <a:rPr lang="pt-BR" sz="1800" dirty="0">
+              <a:t>Um programador precisa compreender requisitos, definir métricas e seguir metodologias adequadas.</a:t>
+            </a:r>
+            <a:br>
+              <a:rPr lang="pt-BR" dirty="0">
                 <a:solidFill>
                   <a:schemeClr val="bg1"/>
                 </a:solidFill>
-                <a:ea typeface="+mn-lt"/>
-                <a:cs typeface="+mn-lt"/>
               </a:rPr>
-              <a:t>Imagine que um programador foi contratado para desenvolver um sistema de controle de estoque para uma loja.</a:t>
-            </a:r>
-          </a:p>
-          <a:p>
-            <a:r>
-              <a:rPr lang="pt-BR" sz="1800" dirty="0">
+            </a:br>
+            <a:r>
+              <a:rPr lang="pt-BR" dirty="0">
                 <a:solidFill>
                   <a:schemeClr val="bg1"/>
                 </a:solidFill>
-                <a:ea typeface="+mn-lt"/>
-                <a:cs typeface="+mn-lt"/>
               </a:rPr>
-              <a:t>Antes de começar a programar, ele precisa entender os requisitos do cliente — por exemplo, saber se o sistema deve emitir relatórios, controlar entrada e saída de produtos, ou enviar alertas quando o estoque estiver baixo.</a:t>
-            </a:r>
-          </a:p>
-          <a:p>
-            <a:r>
-              <a:rPr lang="pt-BR" sz="1800" dirty="0">
+              <a:t>No desenvolvimento de um sistema, ele identifica funções como relatórios e controle de estoque.</a:t>
+            </a:r>
+            <a:br>
+              <a:rPr lang="pt-BR" dirty="0">
                 <a:solidFill>
                   <a:schemeClr val="bg1"/>
                 </a:solidFill>
-                <a:ea typeface="+mn-lt"/>
-                <a:cs typeface="+mn-lt"/>
               </a:rPr>
-              <a:t>Em seguida, ele define métricas de qualidade, como o tempo máximo de resposta do sistema (</a:t>
-            </a:r>
-            <a:r>
-              <a:rPr lang="pt-BR" sz="1800" err="1">
+            </a:br>
+            <a:r>
+              <a:rPr lang="pt-BR" dirty="0">
                 <a:solidFill>
                   <a:schemeClr val="bg1"/>
                 </a:solidFill>
-                <a:ea typeface="+mn-lt"/>
-                <a:cs typeface="+mn-lt"/>
               </a:rPr>
-              <a:t>ex</a:t>
-            </a:r>
-            <a:r>
-              <a:rPr lang="pt-BR" sz="1800" dirty="0">
+              <a:t>Usa metodologias ágeis, como Scrum, para organizar o trabalho em sprints.</a:t>
+            </a:r>
+            <a:br>
+              <a:rPr lang="pt-BR" dirty="0">
                 <a:solidFill>
                   <a:schemeClr val="bg1"/>
                 </a:solidFill>
-                <a:ea typeface="+mn-lt"/>
-                <a:cs typeface="+mn-lt"/>
               </a:rPr>
-              <a:t>: cada tela deve carregar em até 2 segundos) e o número aceitável de erros.</a:t>
-            </a:r>
-          </a:p>
-          <a:p>
-            <a:r>
-              <a:rPr lang="pt-BR" sz="1800" dirty="0">
+            </a:br>
+            <a:r>
+              <a:rPr lang="pt-BR" dirty="0">
                 <a:solidFill>
                   <a:schemeClr val="bg1"/>
                 </a:solidFill>
-                <a:ea typeface="+mn-lt"/>
-                <a:cs typeface="+mn-lt"/>
               </a:rPr>
-              <a:t>Durante o desenvolvimento, ele utiliza uma metodologia ágil (como Scrum), dividindo o projeto em etapas chamadas sprints e revisando o progresso com a equipe a cada semana.</a:t>
-            </a:r>
-          </a:p>
-          <a:p>
-            <a:r>
-              <a:rPr lang="pt-BR" sz="1800" dirty="0">
-                <a:solidFill>
-                  <a:schemeClr val="bg1"/>
-                </a:solidFill>
-                <a:ea typeface="+mn-lt"/>
-                <a:cs typeface="+mn-lt"/>
-              </a:rPr>
-              <a:t>Por fim, ele realiza testes automatizados e manuais para garantir que o sistema funcione corretamente e entregue dentro do prazo, sem falhas.</a:t>
-            </a:r>
-          </a:p>
-          <a:p>
-            <a:endParaRPr lang="pt-BR" sz="1800" dirty="0">
+              <a:t>Realiza testes automatizados e manuais para garantir qualidade e cumprimento de prazos.</a:t>
+            </a:r>
+            <a:endParaRPr lang="pt-BR" dirty="0">
               <a:solidFill>
                 <a:schemeClr val="bg1"/>
               </a:solidFill>
@@ -8834,7 +8196,7 @@
             </a:endParaRPr>
           </a:p>
           <a:p>
-            <a:endParaRPr lang="de-DE" sz="1600" dirty="0">
+            <a:endParaRPr lang="de-DE" sz="1600" u="sng" dirty="0">
               <a:solidFill>
                 <a:srgbClr val="FFFFFF"/>
               </a:solidFill>
